--- a/presentation/powerpoint2.pptx
+++ b/presentation/powerpoint2.pptx
@@ -241,7 +241,135 @@
       </a:defRPr>
     </a:lvl9pPr>
   </p:defaultTextStyle>
+  <p:extLst>
+    <p:ext uri="{EFAFB233-063F-42B5-8137-9DF3F51BA10A}">
+      <p15:sldGuideLst xmlns:p15="http://schemas.microsoft.com/office/powerpoint/2012/main"/>
+    </p:ext>
+    <p:ext uri="{2D200454-40CA-4A62-9FC3-DE9A4176ACB9}">
+      <p15:notesGuideLst xmlns:p15="http://schemas.microsoft.com/office/powerpoint/2012/main"/>
+    </p:ext>
+  </p:extLst>
 </p:presentation>
+</file>
+
+<file path=ppt/revisionInfo.xml><?xml version="1.0" encoding="utf-8"?>
+<p1510:revInfo xmlns:a="http://schemas.openxmlformats.org/drawingml/2006/main" xmlns:r="http://schemas.openxmlformats.org/officeDocument/2006/relationships" xmlns:p1510="http://schemas.microsoft.com/office/powerpoint/2015/10/main">
+  <p1510:revLst>
+    <p1510:client id="{268EE2BD-9D9D-4C61-B666-ED68848379EC}" v="15" dt="2021-06-16T15:12:27.663"/>
+  </p1510:revLst>
+</p1510:revInfo>
+</file>
+
+<file path=ppt/changesInfos/changesInfo1.xml><?xml version="1.0" encoding="utf-8"?>
+<pc:chgInfo xmlns:a="http://schemas.openxmlformats.org/drawingml/2006/main" xmlns:r="http://schemas.openxmlformats.org/officeDocument/2006/relationships" xmlns:ac="http://schemas.microsoft.com/office/drawing/2013/main/command" xmlns:pc="http://schemas.microsoft.com/office/powerpoint/2013/main/command">
+  <pc:docChgLst>
+    <pc:chgData name="Hugo DEMENEZ" userId="167f3b24-aa49-4d1b-b001-4f9180dfa13d" providerId="ADAL" clId="{268EE2BD-9D9D-4C61-B666-ED68848379EC}"/>
+    <pc:docChg chg="custSel modMainMaster">
+      <pc:chgData name="Hugo DEMENEZ" userId="167f3b24-aa49-4d1b-b001-4f9180dfa13d" providerId="ADAL" clId="{268EE2BD-9D9D-4C61-B666-ED68848379EC}" dt="2021-06-16T15:13:00.947" v="42" actId="478"/>
+      <pc:docMkLst>
+        <pc:docMk/>
+      </pc:docMkLst>
+      <pc:sldMasterChg chg="addSp delSp modSp mod modSldLayout">
+        <pc:chgData name="Hugo DEMENEZ" userId="167f3b24-aa49-4d1b-b001-4f9180dfa13d" providerId="ADAL" clId="{268EE2BD-9D9D-4C61-B666-ED68848379EC}" dt="2021-06-16T15:13:00.947" v="42" actId="478"/>
+        <pc:sldMasterMkLst>
+          <pc:docMk/>
+          <pc:sldMasterMk cId="3441787599" sldId="2147483660"/>
+        </pc:sldMasterMkLst>
+        <pc:spChg chg="add del mod">
+          <ac:chgData name="Hugo DEMENEZ" userId="167f3b24-aa49-4d1b-b001-4f9180dfa13d" providerId="ADAL" clId="{268EE2BD-9D9D-4C61-B666-ED68848379EC}" dt="2021-06-16T15:11:26.023" v="22"/>
+          <ac:spMkLst>
+            <pc:docMk/>
+            <pc:sldMasterMk cId="3441787599" sldId="2147483660"/>
+            <ac:spMk id="2" creationId="{1F0661A9-97FB-43B2-AD03-E079CBD49BFF}"/>
+          </ac:spMkLst>
+        </pc:spChg>
+        <pc:spChg chg="del mod">
+          <ac:chgData name="Hugo DEMENEZ" userId="167f3b24-aa49-4d1b-b001-4f9180dfa13d" providerId="ADAL" clId="{268EE2BD-9D9D-4C61-B666-ED68848379EC}" dt="2021-06-16T15:12:26.688" v="32" actId="478"/>
+          <ac:spMkLst>
+            <pc:docMk/>
+            <pc:sldMasterMk cId="3441787599" sldId="2147483660"/>
+            <ac:spMk id="6" creationId="{00000000-0000-0000-0000-000000000000}"/>
+          </ac:spMkLst>
+        </pc:spChg>
+        <pc:spChg chg="del mod">
+          <ac:chgData name="Hugo DEMENEZ" userId="167f3b24-aa49-4d1b-b001-4f9180dfa13d" providerId="ADAL" clId="{268EE2BD-9D9D-4C61-B666-ED68848379EC}" dt="2021-06-16T15:10:53.911" v="13" actId="478"/>
+          <ac:spMkLst>
+            <pc:docMk/>
+            <pc:sldMasterMk cId="3441787599" sldId="2147483660"/>
+            <ac:spMk id="7" creationId="{00000000-0000-0000-0000-000000000000}"/>
+          </ac:spMkLst>
+        </pc:spChg>
+        <pc:spChg chg="mod">
+          <ac:chgData name="Hugo DEMENEZ" userId="167f3b24-aa49-4d1b-b001-4f9180dfa13d" providerId="ADAL" clId="{268EE2BD-9D9D-4C61-B666-ED68848379EC}" dt="2021-06-16T15:11:24.050" v="20" actId="113"/>
+          <ac:spMkLst>
+            <pc:docMk/>
+            <pc:sldMasterMk cId="3441787599" sldId="2147483660"/>
+            <ac:spMk id="8" creationId="{00000000-0000-0000-0000-000000000000}"/>
+          </ac:spMkLst>
+        </pc:spChg>
+        <pc:spChg chg="add mod">
+          <ac:chgData name="Hugo DEMENEZ" userId="167f3b24-aa49-4d1b-b001-4f9180dfa13d" providerId="ADAL" clId="{268EE2BD-9D9D-4C61-B666-ED68848379EC}" dt="2021-06-16T15:12:49.203" v="39" actId="1076"/>
+          <ac:spMkLst>
+            <pc:docMk/>
+            <pc:sldMasterMk cId="3441787599" sldId="2147483660"/>
+            <ac:spMk id="9" creationId="{173F6F44-B655-4C09-BC3A-789988E1A233}"/>
+          </ac:spMkLst>
+        </pc:spChg>
+        <pc:spChg chg="add mod">
+          <ac:chgData name="Hugo DEMENEZ" userId="167f3b24-aa49-4d1b-b001-4f9180dfa13d" providerId="ADAL" clId="{268EE2BD-9D9D-4C61-B666-ED68848379EC}" dt="2021-06-16T15:12:41.554" v="38" actId="255"/>
+          <ac:spMkLst>
+            <pc:docMk/>
+            <pc:sldMasterMk cId="3441787599" sldId="2147483660"/>
+            <ac:spMk id="10" creationId="{A4DB1EC6-4059-4CE5-9A1A-24F2F6D61C43}"/>
+          </ac:spMkLst>
+        </pc:spChg>
+        <pc:sldLayoutChg chg="delSp mod">
+          <pc:chgData name="Hugo DEMENEZ" userId="167f3b24-aa49-4d1b-b001-4f9180dfa13d" providerId="ADAL" clId="{268EE2BD-9D9D-4C61-B666-ED68848379EC}" dt="2021-06-16T15:12:54.499" v="40" actId="478"/>
+          <pc:sldLayoutMkLst>
+            <pc:docMk/>
+            <pc:sldMasterMk cId="3441787599" sldId="2147483660"/>
+            <pc:sldLayoutMk cId="2762920038" sldId="2147483661"/>
+          </pc:sldLayoutMkLst>
+          <pc:spChg chg="del">
+            <ac:chgData name="Hugo DEMENEZ" userId="167f3b24-aa49-4d1b-b001-4f9180dfa13d" providerId="ADAL" clId="{268EE2BD-9D9D-4C61-B666-ED68848379EC}" dt="2021-06-16T15:12:54.499" v="40" actId="478"/>
+            <ac:spMkLst>
+              <pc:docMk/>
+              <pc:sldMasterMk cId="3441787599" sldId="2147483660"/>
+              <pc:sldLayoutMk cId="2762920038" sldId="2147483661"/>
+              <ac:spMk id="11" creationId="{00000000-0000-0000-0000-000000000000}"/>
+            </ac:spMkLst>
+          </pc:spChg>
+        </pc:sldLayoutChg>
+        <pc:sldLayoutChg chg="delSp mod">
+          <pc:chgData name="Hugo DEMENEZ" userId="167f3b24-aa49-4d1b-b001-4f9180dfa13d" providerId="ADAL" clId="{268EE2BD-9D9D-4C61-B666-ED68848379EC}" dt="2021-06-16T15:13:00.947" v="42" actId="478"/>
+          <pc:sldLayoutMkLst>
+            <pc:docMk/>
+            <pc:sldMasterMk cId="3441787599" sldId="2147483660"/>
+            <pc:sldLayoutMk cId="651378201" sldId="2147483662"/>
+          </pc:sldLayoutMkLst>
+          <pc:spChg chg="del">
+            <ac:chgData name="Hugo DEMENEZ" userId="167f3b24-aa49-4d1b-b001-4f9180dfa13d" providerId="ADAL" clId="{268EE2BD-9D9D-4C61-B666-ED68848379EC}" dt="2021-06-16T15:13:00.020" v="41" actId="478"/>
+            <ac:spMkLst>
+              <pc:docMk/>
+              <pc:sldMasterMk cId="3441787599" sldId="2147483660"/>
+              <pc:sldLayoutMk cId="651378201" sldId="2147483662"/>
+              <ac:spMk id="14" creationId="{00000000-0000-0000-0000-000000000000}"/>
+            </ac:spMkLst>
+          </pc:spChg>
+          <pc:spChg chg="del">
+            <ac:chgData name="Hugo DEMENEZ" userId="167f3b24-aa49-4d1b-b001-4f9180dfa13d" providerId="ADAL" clId="{268EE2BD-9D9D-4C61-B666-ED68848379EC}" dt="2021-06-16T15:13:00.947" v="42" actId="478"/>
+            <ac:spMkLst>
+              <pc:docMk/>
+              <pc:sldMasterMk cId="3441787599" sldId="2147483660"/>
+              <pc:sldLayoutMk cId="651378201" sldId="2147483662"/>
+              <ac:spMk id="15" creationId="{00000000-0000-0000-0000-000000000000}"/>
+            </ac:spMkLst>
+          </pc:spChg>
+        </pc:sldLayoutChg>
+      </pc:sldMasterChg>
+    </pc:docChg>
+  </pc:docChgLst>
+</pc:chgInfo>
 </file>
 
 <file path=ppt/handoutMasters/handoutMaster1.xml><?xml version="1.0" encoding="utf-8"?>
@@ -434,7 +562,7 @@
 </file>
 
 <file path=ppt/slideLayouts/slideLayout1.xml><?xml version="1.0" encoding="utf-8"?>
-<p:sldLayout xmlns:a="http://schemas.openxmlformats.org/drawingml/2006/main" xmlns:r="http://schemas.openxmlformats.org/officeDocument/2006/relationships" xmlns:p="http://schemas.openxmlformats.org/presentationml/2006/main" matchingName="Title" type="title">
+<p:sldLayout xmlns:a="http://schemas.openxmlformats.org/drawingml/2006/main" xmlns:r="http://schemas.openxmlformats.org/officeDocument/2006/relationships" xmlns:p="http://schemas.openxmlformats.org/presentationml/2006/main" matchingName="Title" userDrawn="1">
   <p:cSld name="Title">
     <p:spTree>
       <p:nvGrpSpPr>
@@ -450,139 +578,6 @@
           <a:chExt cx="0" cy="0"/>
         </a:xfrm>
       </p:grpSpPr>
-      <p:sp>
-        <p:nvSpPr>
-          <p:cNvPr id="11" name="Google Shape;11;p2"/>
-          <p:cNvSpPr txBox="1">
-            <a:spLocks noGrp="1"/>
-          </p:cNvSpPr>
-          <p:nvPr>
-            <p:ph type="ctrTitle"/>
-          </p:nvPr>
-        </p:nvSpPr>
-        <p:spPr>
-          <a:xfrm>
-            <a:off x="914400" y="2655767"/>
-            <a:ext cx="6052000" cy="1546400"/>
-          </a:xfrm>
-          <a:prstGeom prst="rect">
-            <a:avLst/>
-          </a:prstGeom>
-        </p:spPr>
-        <p:txBody>
-          <a:bodyPr spcFirstLastPara="1" wrap="square" lIns="0" tIns="0" rIns="0" bIns="0" anchor="ctr" anchorCtr="0">
-            <a:noAutofit/>
-          </a:bodyPr>
-          <a:lstStyle>
-            <a:lvl1pPr lvl="0">
-              <a:spcBef>
-                <a:spcPts val="0"/>
-              </a:spcBef>
-              <a:spcAft>
-                <a:spcPts val="0"/>
-              </a:spcAft>
-              <a:buSzPts val="5000"/>
-              <a:buNone/>
-              <a:defRPr sz="6667"/>
-            </a:lvl1pPr>
-            <a:lvl2pPr lvl="1">
-              <a:spcBef>
-                <a:spcPts val="0"/>
-              </a:spcBef>
-              <a:spcAft>
-                <a:spcPts val="0"/>
-              </a:spcAft>
-              <a:buSzPts val="5000"/>
-              <a:buNone/>
-              <a:defRPr sz="6667"/>
-            </a:lvl2pPr>
-            <a:lvl3pPr lvl="2">
-              <a:spcBef>
-                <a:spcPts val="0"/>
-              </a:spcBef>
-              <a:spcAft>
-                <a:spcPts val="0"/>
-              </a:spcAft>
-              <a:buSzPts val="5000"/>
-              <a:buNone/>
-              <a:defRPr sz="6667"/>
-            </a:lvl3pPr>
-            <a:lvl4pPr lvl="3">
-              <a:spcBef>
-                <a:spcPts val="0"/>
-              </a:spcBef>
-              <a:spcAft>
-                <a:spcPts val="0"/>
-              </a:spcAft>
-              <a:buSzPts val="5000"/>
-              <a:buNone/>
-              <a:defRPr sz="6667"/>
-            </a:lvl4pPr>
-            <a:lvl5pPr lvl="4">
-              <a:spcBef>
-                <a:spcPts val="0"/>
-              </a:spcBef>
-              <a:spcAft>
-                <a:spcPts val="0"/>
-              </a:spcAft>
-              <a:buSzPts val="5000"/>
-              <a:buNone/>
-              <a:defRPr sz="6667"/>
-            </a:lvl5pPr>
-            <a:lvl6pPr lvl="5">
-              <a:spcBef>
-                <a:spcPts val="0"/>
-              </a:spcBef>
-              <a:spcAft>
-                <a:spcPts val="0"/>
-              </a:spcAft>
-              <a:buSzPts val="5000"/>
-              <a:buNone/>
-              <a:defRPr sz="6667"/>
-            </a:lvl6pPr>
-            <a:lvl7pPr lvl="6">
-              <a:spcBef>
-                <a:spcPts val="0"/>
-              </a:spcBef>
-              <a:spcAft>
-                <a:spcPts val="0"/>
-              </a:spcAft>
-              <a:buSzPts val="5000"/>
-              <a:buNone/>
-              <a:defRPr sz="6667"/>
-            </a:lvl7pPr>
-            <a:lvl8pPr lvl="7">
-              <a:spcBef>
-                <a:spcPts val="0"/>
-              </a:spcBef>
-              <a:spcAft>
-                <a:spcPts val="0"/>
-              </a:spcAft>
-              <a:buSzPts val="5000"/>
-              <a:buNone/>
-              <a:defRPr sz="6667"/>
-            </a:lvl8pPr>
-            <a:lvl9pPr lvl="8">
-              <a:spcBef>
-                <a:spcPts val="0"/>
-              </a:spcBef>
-              <a:spcAft>
-                <a:spcPts val="0"/>
-              </a:spcAft>
-              <a:buSzPts val="5000"/>
-              <a:buNone/>
-              <a:defRPr sz="6667"/>
-            </a:lvl9pPr>
-          </a:lstStyle>
-          <a:p>
-            <a:r>
-              <a:rPr lang="fr-FR"/>
-              <a:t>Modifiez le style du titre</a:t>
-            </a:r>
-            <a:endParaRPr/>
-          </a:p>
-        </p:txBody>
-      </p:sp>
     </p:spTree>
     <p:extLst>
       <p:ext uri="{BB962C8B-B14F-4D97-AF65-F5344CB8AC3E}">
@@ -836,6 +831,9 @@
             <a:off x="1524000" y="1122363"/>
             <a:ext cx="9144000" cy="2387600"/>
           </a:xfrm>
+          <a:prstGeom prst="rect">
+            <a:avLst/>
+          </a:prstGeom>
         </p:spPr>
         <p:txBody>
           <a:bodyPr anchor="b"/>
@@ -873,6 +871,9 @@
             <a:off x="1524000" y="3602038"/>
             <a:ext cx="9144000" cy="1655762"/>
           </a:xfrm>
+          <a:prstGeom prst="rect">
+            <a:avLst/>
+          </a:prstGeom>
         </p:spPr>
         <p:txBody>
           <a:bodyPr/>
@@ -1027,7 +1028,7 @@
 </file>
 
 <file path=ppt/slideLayouts/slideLayout2.xml><?xml version="1.0" encoding="utf-8"?>
-<p:sldLayout xmlns:a="http://schemas.openxmlformats.org/drawingml/2006/main" xmlns:r="http://schemas.openxmlformats.org/officeDocument/2006/relationships" xmlns:p="http://schemas.openxmlformats.org/presentationml/2006/main" matchingName="Subtitle">
+<p:sldLayout xmlns:a="http://schemas.openxmlformats.org/drawingml/2006/main" xmlns:r="http://schemas.openxmlformats.org/officeDocument/2006/relationships" xmlns:p="http://schemas.openxmlformats.org/presentationml/2006/main" matchingName="Subtitle" userDrawn="1">
   <p:cSld name="Subtitle">
     <p:spTree>
       <p:nvGrpSpPr>
@@ -1043,335 +1044,6 @@
           <a:chExt cx="0" cy="0"/>
         </a:xfrm>
       </p:grpSpPr>
-      <p:sp>
-        <p:nvSpPr>
-          <p:cNvPr id="14" name="Google Shape;14;p3"/>
-          <p:cNvSpPr txBox="1">
-            <a:spLocks noGrp="1"/>
-          </p:cNvSpPr>
-          <p:nvPr>
-            <p:ph type="ctrTitle"/>
-          </p:nvPr>
-        </p:nvSpPr>
-        <p:spPr>
-          <a:xfrm>
-            <a:off x="914400" y="2212733"/>
-            <a:ext cx="5685200" cy="1546400"/>
-          </a:xfrm>
-          <a:prstGeom prst="rect">
-            <a:avLst/>
-          </a:prstGeom>
-        </p:spPr>
-        <p:txBody>
-          <a:bodyPr spcFirstLastPara="1" wrap="square" lIns="0" tIns="0" rIns="0" bIns="0" anchor="b" anchorCtr="0">
-            <a:noAutofit/>
-          </a:bodyPr>
-          <a:lstStyle>
-            <a:lvl1pPr lvl="0" rtl="0">
-              <a:spcBef>
-                <a:spcPts val="0"/>
-              </a:spcBef>
-              <a:spcAft>
-                <a:spcPts val="0"/>
-              </a:spcAft>
-              <a:buSzPts val="3600"/>
-              <a:buNone/>
-              <a:defRPr sz="4800"/>
-            </a:lvl1pPr>
-            <a:lvl2pPr lvl="1" rtl="0">
-              <a:spcBef>
-                <a:spcPts val="0"/>
-              </a:spcBef>
-              <a:spcAft>
-                <a:spcPts val="0"/>
-              </a:spcAft>
-              <a:buSzPts val="3600"/>
-              <a:buNone/>
-              <a:defRPr sz="4800"/>
-            </a:lvl2pPr>
-            <a:lvl3pPr lvl="2" rtl="0">
-              <a:spcBef>
-                <a:spcPts val="0"/>
-              </a:spcBef>
-              <a:spcAft>
-                <a:spcPts val="0"/>
-              </a:spcAft>
-              <a:buSzPts val="3600"/>
-              <a:buNone/>
-              <a:defRPr sz="4800"/>
-            </a:lvl3pPr>
-            <a:lvl4pPr lvl="3" rtl="0">
-              <a:spcBef>
-                <a:spcPts val="0"/>
-              </a:spcBef>
-              <a:spcAft>
-                <a:spcPts val="0"/>
-              </a:spcAft>
-              <a:buSzPts val="3600"/>
-              <a:buNone/>
-              <a:defRPr sz="4800"/>
-            </a:lvl4pPr>
-            <a:lvl5pPr lvl="4" rtl="0">
-              <a:spcBef>
-                <a:spcPts val="0"/>
-              </a:spcBef>
-              <a:spcAft>
-                <a:spcPts val="0"/>
-              </a:spcAft>
-              <a:buSzPts val="3600"/>
-              <a:buNone/>
-              <a:defRPr sz="4800"/>
-            </a:lvl5pPr>
-            <a:lvl6pPr lvl="5" rtl="0">
-              <a:spcBef>
-                <a:spcPts val="0"/>
-              </a:spcBef>
-              <a:spcAft>
-                <a:spcPts val="0"/>
-              </a:spcAft>
-              <a:buSzPts val="3600"/>
-              <a:buNone/>
-              <a:defRPr sz="4800"/>
-            </a:lvl6pPr>
-            <a:lvl7pPr lvl="6" rtl="0">
-              <a:spcBef>
-                <a:spcPts val="0"/>
-              </a:spcBef>
-              <a:spcAft>
-                <a:spcPts val="0"/>
-              </a:spcAft>
-              <a:buSzPts val="3600"/>
-              <a:buNone/>
-              <a:defRPr sz="4800"/>
-            </a:lvl7pPr>
-            <a:lvl8pPr lvl="7" rtl="0">
-              <a:spcBef>
-                <a:spcPts val="0"/>
-              </a:spcBef>
-              <a:spcAft>
-                <a:spcPts val="0"/>
-              </a:spcAft>
-              <a:buSzPts val="3600"/>
-              <a:buNone/>
-              <a:defRPr sz="4800"/>
-            </a:lvl8pPr>
-            <a:lvl9pPr lvl="8" rtl="0">
-              <a:spcBef>
-                <a:spcPts val="0"/>
-              </a:spcBef>
-              <a:spcAft>
-                <a:spcPts val="0"/>
-              </a:spcAft>
-              <a:buSzPts val="3600"/>
-              <a:buNone/>
-              <a:defRPr sz="4800"/>
-            </a:lvl9pPr>
-          </a:lstStyle>
-          <a:p>
-            <a:r>
-              <a:rPr lang="fr-FR"/>
-              <a:t>Modifiez le style du titre</a:t>
-            </a:r>
-            <a:endParaRPr/>
-          </a:p>
-        </p:txBody>
-      </p:sp>
-      <p:sp>
-        <p:nvSpPr>
-          <p:cNvPr id="15" name="Google Shape;15;p3"/>
-          <p:cNvSpPr txBox="1">
-            <a:spLocks noGrp="1"/>
-          </p:cNvSpPr>
-          <p:nvPr>
-            <p:ph type="subTitle" idx="1"/>
-          </p:nvPr>
-        </p:nvSpPr>
-        <p:spPr>
-          <a:xfrm>
-            <a:off x="914400" y="3888339"/>
-            <a:ext cx="5685200" cy="1046400"/>
-          </a:xfrm>
-          <a:prstGeom prst="rect">
-            <a:avLst/>
-          </a:prstGeom>
-        </p:spPr>
-        <p:txBody>
-          <a:bodyPr spcFirstLastPara="1" wrap="square" lIns="0" tIns="0" rIns="0" bIns="0" anchor="t" anchorCtr="0">
-            <a:noAutofit/>
-          </a:bodyPr>
-          <a:lstStyle>
-            <a:lvl1pPr lvl="0" rtl="0">
-              <a:spcBef>
-                <a:spcPts val="0"/>
-              </a:spcBef>
-              <a:spcAft>
-                <a:spcPts val="0"/>
-              </a:spcAft>
-              <a:buClr>
-                <a:schemeClr val="accent4"/>
-              </a:buClr>
-              <a:buSzPts val="1800"/>
-              <a:buNone/>
-              <a:defRPr sz="2400">
-                <a:solidFill>
-                  <a:schemeClr val="accent4"/>
-                </a:solidFill>
-              </a:defRPr>
-            </a:lvl1pPr>
-            <a:lvl2pPr lvl="1" rtl="0">
-              <a:spcBef>
-                <a:spcPts val="0"/>
-              </a:spcBef>
-              <a:spcAft>
-                <a:spcPts val="0"/>
-              </a:spcAft>
-              <a:buClr>
-                <a:schemeClr val="accent4"/>
-              </a:buClr>
-              <a:buSzPts val="1800"/>
-              <a:buNone/>
-              <a:defRPr sz="2400">
-                <a:solidFill>
-                  <a:schemeClr val="accent4"/>
-                </a:solidFill>
-              </a:defRPr>
-            </a:lvl2pPr>
-            <a:lvl3pPr lvl="2" rtl="0">
-              <a:spcBef>
-                <a:spcPts val="0"/>
-              </a:spcBef>
-              <a:spcAft>
-                <a:spcPts val="0"/>
-              </a:spcAft>
-              <a:buClr>
-                <a:schemeClr val="accent4"/>
-              </a:buClr>
-              <a:buSzPts val="1800"/>
-              <a:buNone/>
-              <a:defRPr sz="2400">
-                <a:solidFill>
-                  <a:schemeClr val="accent4"/>
-                </a:solidFill>
-              </a:defRPr>
-            </a:lvl3pPr>
-            <a:lvl4pPr lvl="3" rtl="0">
-              <a:spcBef>
-                <a:spcPts val="0"/>
-              </a:spcBef>
-              <a:spcAft>
-                <a:spcPts val="0"/>
-              </a:spcAft>
-              <a:buClr>
-                <a:schemeClr val="accent4"/>
-              </a:buClr>
-              <a:buSzPts val="1800"/>
-              <a:buNone/>
-              <a:defRPr sz="2400">
-                <a:solidFill>
-                  <a:schemeClr val="accent4"/>
-                </a:solidFill>
-              </a:defRPr>
-            </a:lvl4pPr>
-            <a:lvl5pPr lvl="4" rtl="0">
-              <a:spcBef>
-                <a:spcPts val="0"/>
-              </a:spcBef>
-              <a:spcAft>
-                <a:spcPts val="0"/>
-              </a:spcAft>
-              <a:buClr>
-                <a:schemeClr val="accent4"/>
-              </a:buClr>
-              <a:buSzPts val="1800"/>
-              <a:buNone/>
-              <a:defRPr sz="2400">
-                <a:solidFill>
-                  <a:schemeClr val="accent4"/>
-                </a:solidFill>
-              </a:defRPr>
-            </a:lvl5pPr>
-            <a:lvl6pPr lvl="5" rtl="0">
-              <a:spcBef>
-                <a:spcPts val="0"/>
-              </a:spcBef>
-              <a:spcAft>
-                <a:spcPts val="0"/>
-              </a:spcAft>
-              <a:buClr>
-                <a:schemeClr val="accent4"/>
-              </a:buClr>
-              <a:buSzPts val="1800"/>
-              <a:buNone/>
-              <a:defRPr sz="2400">
-                <a:solidFill>
-                  <a:schemeClr val="accent4"/>
-                </a:solidFill>
-              </a:defRPr>
-            </a:lvl6pPr>
-            <a:lvl7pPr lvl="6" rtl="0">
-              <a:spcBef>
-                <a:spcPts val="0"/>
-              </a:spcBef>
-              <a:spcAft>
-                <a:spcPts val="0"/>
-              </a:spcAft>
-              <a:buClr>
-                <a:schemeClr val="accent4"/>
-              </a:buClr>
-              <a:buSzPts val="1800"/>
-              <a:buNone/>
-              <a:defRPr sz="2400">
-                <a:solidFill>
-                  <a:schemeClr val="accent4"/>
-                </a:solidFill>
-              </a:defRPr>
-            </a:lvl7pPr>
-            <a:lvl8pPr lvl="7" rtl="0">
-              <a:spcBef>
-                <a:spcPts val="0"/>
-              </a:spcBef>
-              <a:spcAft>
-                <a:spcPts val="0"/>
-              </a:spcAft>
-              <a:buClr>
-                <a:schemeClr val="accent4"/>
-              </a:buClr>
-              <a:buSzPts val="1800"/>
-              <a:buNone/>
-              <a:defRPr sz="2400">
-                <a:solidFill>
-                  <a:schemeClr val="accent4"/>
-                </a:solidFill>
-              </a:defRPr>
-            </a:lvl8pPr>
-            <a:lvl9pPr lvl="8" rtl="0">
-              <a:spcBef>
-                <a:spcPts val="0"/>
-              </a:spcBef>
-              <a:spcAft>
-                <a:spcPts val="0"/>
-              </a:spcAft>
-              <a:buClr>
-                <a:schemeClr val="accent4"/>
-              </a:buClr>
-              <a:buSzPts val="1800"/>
-              <a:buNone/>
-              <a:defRPr sz="2400">
-                <a:solidFill>
-                  <a:schemeClr val="accent4"/>
-                </a:solidFill>
-              </a:defRPr>
-            </a:lvl9pPr>
-          </a:lstStyle>
-          <a:p>
-            <a:r>
-              <a:rPr lang="fr-FR"/>
-              <a:t>Modifiez le style des sous-titres du masque</a:t>
-            </a:r>
-            <a:endParaRPr/>
-          </a:p>
-        </p:txBody>
-      </p:sp>
     </p:spTree>
     <p:extLst>
       <p:ext uri="{BB962C8B-B14F-4D97-AF65-F5344CB8AC3E}">
@@ -1643,7 +1315,7 @@
           <a:p>
             <a:pPr lvl="0"/>
             <a:r>
-              <a:rPr lang="fr-FR"/>
+              <a:rPr lang="fr-FR" dirty="0"/>
               <a:t>Cliquez pour modifier les styles du texte du masque</a:t>
             </a:r>
           </a:p>
@@ -3805,522 +3477,6 @@
       </p:grpSpPr>
       <p:sp>
         <p:nvSpPr>
-          <p:cNvPr id="6" name="Google Shape;6;p1"/>
-          <p:cNvSpPr txBox="1">
-            <a:spLocks noGrp="1"/>
-          </p:cNvSpPr>
-          <p:nvPr>
-            <p:ph type="title"/>
-          </p:nvPr>
-        </p:nvSpPr>
-        <p:spPr>
-          <a:xfrm>
-            <a:off x="774067" y="274633"/>
-            <a:ext cx="8019200" cy="1143200"/>
-          </a:xfrm>
-          <a:prstGeom prst="rect">
-            <a:avLst/>
-          </a:prstGeom>
-          <a:noFill/>
-          <a:ln>
-            <a:noFill/>
-          </a:ln>
-        </p:spPr>
-        <p:txBody>
-          <a:bodyPr spcFirstLastPara="1" wrap="square" lIns="0" tIns="0" rIns="0" bIns="0" anchor="b" anchorCtr="0">
-            <a:noAutofit/>
-          </a:bodyPr>
-          <a:lstStyle>
-            <a:lvl1pPr lvl="0">
-              <a:spcBef>
-                <a:spcPts val="0"/>
-              </a:spcBef>
-              <a:spcAft>
-                <a:spcPts val="0"/>
-              </a:spcAft>
-              <a:buClr>
-                <a:schemeClr val="lt1"/>
-              </a:buClr>
-              <a:buSzPts val="3200"/>
-              <a:buFont typeface="Lexend Deca"/>
-              <a:buNone/>
-              <a:defRPr sz="3200" b="1">
-                <a:solidFill>
-                  <a:schemeClr val="lt1"/>
-                </a:solidFill>
-                <a:latin typeface="Lexend Deca"/>
-                <a:ea typeface="Lexend Deca"/>
-                <a:cs typeface="Lexend Deca"/>
-                <a:sym typeface="Lexend Deca"/>
-              </a:defRPr>
-            </a:lvl1pPr>
-            <a:lvl2pPr lvl="1">
-              <a:spcBef>
-                <a:spcPts val="0"/>
-              </a:spcBef>
-              <a:spcAft>
-                <a:spcPts val="0"/>
-              </a:spcAft>
-              <a:buClr>
-                <a:schemeClr val="lt1"/>
-              </a:buClr>
-              <a:buSzPts val="3200"/>
-              <a:buFont typeface="Lexend Deca"/>
-              <a:buNone/>
-              <a:defRPr sz="3200" b="1">
-                <a:solidFill>
-                  <a:schemeClr val="lt1"/>
-                </a:solidFill>
-                <a:latin typeface="Lexend Deca"/>
-                <a:ea typeface="Lexend Deca"/>
-                <a:cs typeface="Lexend Deca"/>
-                <a:sym typeface="Lexend Deca"/>
-              </a:defRPr>
-            </a:lvl2pPr>
-            <a:lvl3pPr lvl="2">
-              <a:spcBef>
-                <a:spcPts val="0"/>
-              </a:spcBef>
-              <a:spcAft>
-                <a:spcPts val="0"/>
-              </a:spcAft>
-              <a:buClr>
-                <a:schemeClr val="lt1"/>
-              </a:buClr>
-              <a:buSzPts val="3200"/>
-              <a:buFont typeface="Lexend Deca"/>
-              <a:buNone/>
-              <a:defRPr sz="3200" b="1">
-                <a:solidFill>
-                  <a:schemeClr val="lt1"/>
-                </a:solidFill>
-                <a:latin typeface="Lexend Deca"/>
-                <a:ea typeface="Lexend Deca"/>
-                <a:cs typeface="Lexend Deca"/>
-                <a:sym typeface="Lexend Deca"/>
-              </a:defRPr>
-            </a:lvl3pPr>
-            <a:lvl4pPr lvl="3">
-              <a:spcBef>
-                <a:spcPts val="0"/>
-              </a:spcBef>
-              <a:spcAft>
-                <a:spcPts val="0"/>
-              </a:spcAft>
-              <a:buClr>
-                <a:schemeClr val="lt1"/>
-              </a:buClr>
-              <a:buSzPts val="3200"/>
-              <a:buFont typeface="Lexend Deca"/>
-              <a:buNone/>
-              <a:defRPr sz="3200" b="1">
-                <a:solidFill>
-                  <a:schemeClr val="lt1"/>
-                </a:solidFill>
-                <a:latin typeface="Lexend Deca"/>
-                <a:ea typeface="Lexend Deca"/>
-                <a:cs typeface="Lexend Deca"/>
-                <a:sym typeface="Lexend Deca"/>
-              </a:defRPr>
-            </a:lvl4pPr>
-            <a:lvl5pPr lvl="4">
-              <a:spcBef>
-                <a:spcPts val="0"/>
-              </a:spcBef>
-              <a:spcAft>
-                <a:spcPts val="0"/>
-              </a:spcAft>
-              <a:buClr>
-                <a:schemeClr val="lt1"/>
-              </a:buClr>
-              <a:buSzPts val="3200"/>
-              <a:buFont typeface="Lexend Deca"/>
-              <a:buNone/>
-              <a:defRPr sz="3200" b="1">
-                <a:solidFill>
-                  <a:schemeClr val="lt1"/>
-                </a:solidFill>
-                <a:latin typeface="Lexend Deca"/>
-                <a:ea typeface="Lexend Deca"/>
-                <a:cs typeface="Lexend Deca"/>
-                <a:sym typeface="Lexend Deca"/>
-              </a:defRPr>
-            </a:lvl5pPr>
-            <a:lvl6pPr lvl="5">
-              <a:spcBef>
-                <a:spcPts val="0"/>
-              </a:spcBef>
-              <a:spcAft>
-                <a:spcPts val="0"/>
-              </a:spcAft>
-              <a:buClr>
-                <a:schemeClr val="lt1"/>
-              </a:buClr>
-              <a:buSzPts val="3200"/>
-              <a:buFont typeface="Lexend Deca"/>
-              <a:buNone/>
-              <a:defRPr sz="3200" b="1">
-                <a:solidFill>
-                  <a:schemeClr val="lt1"/>
-                </a:solidFill>
-                <a:latin typeface="Lexend Deca"/>
-                <a:ea typeface="Lexend Deca"/>
-                <a:cs typeface="Lexend Deca"/>
-                <a:sym typeface="Lexend Deca"/>
-              </a:defRPr>
-            </a:lvl6pPr>
-            <a:lvl7pPr lvl="6">
-              <a:spcBef>
-                <a:spcPts val="0"/>
-              </a:spcBef>
-              <a:spcAft>
-                <a:spcPts val="0"/>
-              </a:spcAft>
-              <a:buClr>
-                <a:schemeClr val="lt1"/>
-              </a:buClr>
-              <a:buSzPts val="3200"/>
-              <a:buFont typeface="Lexend Deca"/>
-              <a:buNone/>
-              <a:defRPr sz="3200" b="1">
-                <a:solidFill>
-                  <a:schemeClr val="lt1"/>
-                </a:solidFill>
-                <a:latin typeface="Lexend Deca"/>
-                <a:ea typeface="Lexend Deca"/>
-                <a:cs typeface="Lexend Deca"/>
-                <a:sym typeface="Lexend Deca"/>
-              </a:defRPr>
-            </a:lvl7pPr>
-            <a:lvl8pPr lvl="7">
-              <a:spcBef>
-                <a:spcPts val="0"/>
-              </a:spcBef>
-              <a:spcAft>
-                <a:spcPts val="0"/>
-              </a:spcAft>
-              <a:buClr>
-                <a:schemeClr val="lt1"/>
-              </a:buClr>
-              <a:buSzPts val="3200"/>
-              <a:buFont typeface="Lexend Deca"/>
-              <a:buNone/>
-              <a:defRPr sz="3200" b="1">
-                <a:solidFill>
-                  <a:schemeClr val="lt1"/>
-                </a:solidFill>
-                <a:latin typeface="Lexend Deca"/>
-                <a:ea typeface="Lexend Deca"/>
-                <a:cs typeface="Lexend Deca"/>
-                <a:sym typeface="Lexend Deca"/>
-              </a:defRPr>
-            </a:lvl8pPr>
-            <a:lvl9pPr lvl="8">
-              <a:spcBef>
-                <a:spcPts val="0"/>
-              </a:spcBef>
-              <a:spcAft>
-                <a:spcPts val="0"/>
-              </a:spcAft>
-              <a:buClr>
-                <a:schemeClr val="lt1"/>
-              </a:buClr>
-              <a:buSzPts val="3200"/>
-              <a:buFont typeface="Lexend Deca"/>
-              <a:buNone/>
-              <a:defRPr sz="3200" b="1">
-                <a:solidFill>
-                  <a:schemeClr val="lt1"/>
-                </a:solidFill>
-                <a:latin typeface="Lexend Deca"/>
-                <a:ea typeface="Lexend Deca"/>
-                <a:cs typeface="Lexend Deca"/>
-                <a:sym typeface="Lexend Deca"/>
-              </a:defRPr>
-            </a:lvl9pPr>
-          </a:lstStyle>
-          <a:p>
-            <a:r>
-              <a:rPr lang="fr-FR" dirty="0">
-                <a:latin typeface="Poppins" panose="00000500000000000000" pitchFamily="2" charset="0"/>
-                <a:cs typeface="Poppins" panose="00000500000000000000" pitchFamily="2" charset="0"/>
-              </a:rPr>
-              <a:t>th</a:t>
-            </a:r>
-            <a:endParaRPr dirty="0"/>
-          </a:p>
-        </p:txBody>
-      </p:sp>
-      <p:sp>
-        <p:nvSpPr>
-          <p:cNvPr id="7" name="Google Shape;7;p1"/>
-          <p:cNvSpPr txBox="1">
-            <a:spLocks noGrp="1"/>
-          </p:cNvSpPr>
-          <p:nvPr>
-            <p:ph type="body" idx="1"/>
-          </p:nvPr>
-        </p:nvSpPr>
-        <p:spPr>
-          <a:xfrm>
-            <a:off x="774067" y="1803400"/>
-            <a:ext cx="8019200" cy="4215600"/>
-          </a:xfrm>
-          <a:prstGeom prst="rect">
-            <a:avLst/>
-          </a:prstGeom>
-          <a:noFill/>
-          <a:ln>
-            <a:noFill/>
-          </a:ln>
-        </p:spPr>
-        <p:txBody>
-          <a:bodyPr spcFirstLastPara="1" wrap="square" lIns="0" tIns="0" rIns="0" bIns="0" anchor="t" anchorCtr="0">
-            <a:noAutofit/>
-          </a:bodyPr>
-          <a:lstStyle>
-            <a:lvl1pPr marL="457200" lvl="0" indent="-342900">
-              <a:lnSpc>
-                <a:spcPct val="115000"/>
-              </a:lnSpc>
-              <a:spcBef>
-                <a:spcPts val="600"/>
-              </a:spcBef>
-              <a:spcAft>
-                <a:spcPts val="0"/>
-              </a:spcAft>
-              <a:buClr>
-                <a:schemeClr val="accent5"/>
-              </a:buClr>
-              <a:buSzPts val="1800"/>
-              <a:buFont typeface="Muli"/>
-              <a:buChar char="⬡"/>
-              <a:defRPr sz="2400">
-                <a:solidFill>
-                  <a:schemeClr val="lt1"/>
-                </a:solidFill>
-                <a:latin typeface="Muli"/>
-                <a:ea typeface="Muli"/>
-                <a:cs typeface="Muli"/>
-                <a:sym typeface="Muli"/>
-              </a:defRPr>
-            </a:lvl1pPr>
-            <a:lvl2pPr marL="914400" lvl="1" indent="-381000">
-              <a:lnSpc>
-                <a:spcPct val="115000"/>
-              </a:lnSpc>
-              <a:spcBef>
-                <a:spcPts val="0"/>
-              </a:spcBef>
-              <a:spcAft>
-                <a:spcPts val="0"/>
-              </a:spcAft>
-              <a:buClr>
-                <a:schemeClr val="accent5"/>
-              </a:buClr>
-              <a:buSzPts val="2400"/>
-              <a:buFont typeface="Muli"/>
-              <a:buChar char="∙"/>
-              <a:defRPr sz="2400">
-                <a:solidFill>
-                  <a:schemeClr val="lt1"/>
-                </a:solidFill>
-                <a:latin typeface="Muli"/>
-                <a:ea typeface="Muli"/>
-                <a:cs typeface="Muli"/>
-                <a:sym typeface="Muli"/>
-              </a:defRPr>
-            </a:lvl2pPr>
-            <a:lvl3pPr marL="1371600" lvl="2" indent="-381000">
-              <a:lnSpc>
-                <a:spcPct val="115000"/>
-              </a:lnSpc>
-              <a:spcBef>
-                <a:spcPts val="0"/>
-              </a:spcBef>
-              <a:spcAft>
-                <a:spcPts val="0"/>
-              </a:spcAft>
-              <a:buClr>
-                <a:schemeClr val="accent5"/>
-              </a:buClr>
-              <a:buSzPts val="2400"/>
-              <a:buFont typeface="Muli"/>
-              <a:buChar char="∙"/>
-              <a:defRPr sz="2400">
-                <a:solidFill>
-                  <a:schemeClr val="lt1"/>
-                </a:solidFill>
-                <a:latin typeface="Muli"/>
-                <a:ea typeface="Muli"/>
-                <a:cs typeface="Muli"/>
-                <a:sym typeface="Muli"/>
-              </a:defRPr>
-            </a:lvl3pPr>
-            <a:lvl4pPr marL="1828800" lvl="3" indent="-381000">
-              <a:lnSpc>
-                <a:spcPct val="115000"/>
-              </a:lnSpc>
-              <a:spcBef>
-                <a:spcPts val="0"/>
-              </a:spcBef>
-              <a:spcAft>
-                <a:spcPts val="0"/>
-              </a:spcAft>
-              <a:buClr>
-                <a:schemeClr val="lt1"/>
-              </a:buClr>
-              <a:buSzPts val="2400"/>
-              <a:buFont typeface="Muli"/>
-              <a:buChar char="●"/>
-              <a:defRPr sz="2400">
-                <a:solidFill>
-                  <a:schemeClr val="lt1"/>
-                </a:solidFill>
-                <a:latin typeface="Muli"/>
-                <a:ea typeface="Muli"/>
-                <a:cs typeface="Muli"/>
-                <a:sym typeface="Muli"/>
-              </a:defRPr>
-            </a:lvl4pPr>
-            <a:lvl5pPr marL="2286000" lvl="4" indent="-381000">
-              <a:lnSpc>
-                <a:spcPct val="115000"/>
-              </a:lnSpc>
-              <a:spcBef>
-                <a:spcPts val="0"/>
-              </a:spcBef>
-              <a:spcAft>
-                <a:spcPts val="0"/>
-              </a:spcAft>
-              <a:buClr>
-                <a:schemeClr val="lt1"/>
-              </a:buClr>
-              <a:buSzPts val="2400"/>
-              <a:buFont typeface="Muli"/>
-              <a:buChar char="○"/>
-              <a:defRPr sz="2400">
-                <a:solidFill>
-                  <a:schemeClr val="lt1"/>
-                </a:solidFill>
-                <a:latin typeface="Muli"/>
-                <a:ea typeface="Muli"/>
-                <a:cs typeface="Muli"/>
-                <a:sym typeface="Muli"/>
-              </a:defRPr>
-            </a:lvl5pPr>
-            <a:lvl6pPr marL="2743200" lvl="5" indent="-381000">
-              <a:lnSpc>
-                <a:spcPct val="115000"/>
-              </a:lnSpc>
-              <a:spcBef>
-                <a:spcPts val="0"/>
-              </a:spcBef>
-              <a:spcAft>
-                <a:spcPts val="0"/>
-              </a:spcAft>
-              <a:buClr>
-                <a:schemeClr val="lt1"/>
-              </a:buClr>
-              <a:buSzPts val="2400"/>
-              <a:buFont typeface="Muli"/>
-              <a:buChar char="■"/>
-              <a:defRPr sz="2400">
-                <a:solidFill>
-                  <a:schemeClr val="lt1"/>
-                </a:solidFill>
-                <a:latin typeface="Muli"/>
-                <a:ea typeface="Muli"/>
-                <a:cs typeface="Muli"/>
-                <a:sym typeface="Muli"/>
-              </a:defRPr>
-            </a:lvl6pPr>
-            <a:lvl7pPr marL="3200400" lvl="6" indent="-381000">
-              <a:lnSpc>
-                <a:spcPct val="115000"/>
-              </a:lnSpc>
-              <a:spcBef>
-                <a:spcPts val="0"/>
-              </a:spcBef>
-              <a:spcAft>
-                <a:spcPts val="0"/>
-              </a:spcAft>
-              <a:buClr>
-                <a:schemeClr val="lt1"/>
-              </a:buClr>
-              <a:buSzPts val="2400"/>
-              <a:buFont typeface="Muli"/>
-              <a:buChar char="●"/>
-              <a:defRPr sz="2400">
-                <a:solidFill>
-                  <a:schemeClr val="lt1"/>
-                </a:solidFill>
-                <a:latin typeface="Muli"/>
-                <a:ea typeface="Muli"/>
-                <a:cs typeface="Muli"/>
-                <a:sym typeface="Muli"/>
-              </a:defRPr>
-            </a:lvl7pPr>
-            <a:lvl8pPr marL="3657600" lvl="7" indent="-381000">
-              <a:lnSpc>
-                <a:spcPct val="115000"/>
-              </a:lnSpc>
-              <a:spcBef>
-                <a:spcPts val="0"/>
-              </a:spcBef>
-              <a:spcAft>
-                <a:spcPts val="0"/>
-              </a:spcAft>
-              <a:buClr>
-                <a:schemeClr val="lt1"/>
-              </a:buClr>
-              <a:buSzPts val="2400"/>
-              <a:buFont typeface="Muli"/>
-              <a:buChar char="○"/>
-              <a:defRPr sz="2400">
-                <a:solidFill>
-                  <a:schemeClr val="lt1"/>
-                </a:solidFill>
-                <a:latin typeface="Muli"/>
-                <a:ea typeface="Muli"/>
-                <a:cs typeface="Muli"/>
-                <a:sym typeface="Muli"/>
-              </a:defRPr>
-            </a:lvl8pPr>
-            <a:lvl9pPr marL="4114800" lvl="8" indent="-381000">
-              <a:lnSpc>
-                <a:spcPct val="115000"/>
-              </a:lnSpc>
-              <a:spcBef>
-                <a:spcPts val="0"/>
-              </a:spcBef>
-              <a:spcAft>
-                <a:spcPts val="0"/>
-              </a:spcAft>
-              <a:buClr>
-                <a:schemeClr val="lt1"/>
-              </a:buClr>
-              <a:buSzPts val="2400"/>
-              <a:buFont typeface="Muli"/>
-              <a:buChar char="■"/>
-              <a:defRPr sz="2400">
-                <a:solidFill>
-                  <a:schemeClr val="lt1"/>
-                </a:solidFill>
-                <a:latin typeface="Muli"/>
-                <a:ea typeface="Muli"/>
-                <a:cs typeface="Muli"/>
-                <a:sym typeface="Muli"/>
-              </a:defRPr>
-            </a:lvl9pPr>
-          </a:lstStyle>
-          <a:p>
-            <a:endParaRPr dirty="0"/>
-          </a:p>
-        </p:txBody>
-      </p:sp>
-      <p:sp>
-        <p:nvSpPr>
           <p:cNvPr id="8" name="Google Shape;8;p1"/>
           <p:cNvSpPr txBox="1">
             <a:spLocks noGrp="1"/>
@@ -4349,13 +3505,13 @@
           <a:lstStyle>
             <a:lvl1pPr lvl="0" algn="r">
               <a:buNone/>
-              <a:defRPr sz="1733">
+              <a:defRPr sz="1733" b="1">
                 <a:solidFill>
                   <a:schemeClr val="lt1"/>
                 </a:solidFill>
-                <a:latin typeface="Lexend Deca"/>
-                <a:ea typeface="Lexend Deca"/>
-                <a:cs typeface="Lexend Deca"/>
+                <a:latin typeface="Poppins" panose="00000500000000000000" pitchFamily="2" charset="0"/>
+                <a:ea typeface="Poppins" panose="00000500000000000000" pitchFamily="2" charset="0"/>
+                <a:cs typeface="Poppins" panose="00000500000000000000" pitchFamily="2" charset="0"/>
                 <a:sym typeface="Lexend Deca"/>
               </a:defRPr>
             </a:lvl1pPr>
@@ -4463,6 +3619,582 @@
               <a:t>‹N°›</a:t>
             </a:fld>
             <a:endParaRPr lang="fr-FR" dirty="0"/>
+          </a:p>
+        </p:txBody>
+      </p:sp>
+      <p:sp>
+        <p:nvSpPr>
+          <p:cNvPr id="9" name="Google Shape;15;p3">
+            <a:extLst>
+              <a:ext uri="{FF2B5EF4-FFF2-40B4-BE49-F238E27FC236}">
+                <a16:creationId xmlns:a16="http://schemas.microsoft.com/office/drawing/2014/main" id="{173F6F44-B655-4C09-BC3A-789988E1A233}"/>
+              </a:ext>
+            </a:extLst>
+          </p:cNvPr>
+          <p:cNvSpPr txBox="1">
+            <a:spLocks/>
+          </p:cNvSpPr>
+          <p:nvPr userDrawn="1"/>
+        </p:nvSpPr>
+        <p:spPr>
+          <a:xfrm>
+            <a:off x="774066" y="2092570"/>
+            <a:ext cx="5685200" cy="3211447"/>
+          </a:xfrm>
+          <a:prstGeom prst="rect">
+            <a:avLst/>
+          </a:prstGeom>
+        </p:spPr>
+        <p:txBody>
+          <a:bodyPr spcFirstLastPara="1" wrap="square" lIns="0" tIns="0" rIns="0" bIns="0" anchor="t" anchorCtr="0">
+            <a:noAutofit/>
+          </a:bodyPr>
+          <a:lstStyle>
+            <a:defPPr marR="0" lvl="0" algn="l" rtl="0">
+              <a:lnSpc>
+                <a:spcPct val="100000"/>
+              </a:lnSpc>
+              <a:spcBef>
+                <a:spcPts val="0"/>
+              </a:spcBef>
+              <a:spcAft>
+                <a:spcPts val="0"/>
+              </a:spcAft>
+            </a:defPPr>
+            <a:lvl1pPr marR="0" lvl="0" algn="l" rtl="0" eaLnBrk="1" hangingPunct="1">
+              <a:lnSpc>
+                <a:spcPct val="100000"/>
+              </a:lnSpc>
+              <a:spcBef>
+                <a:spcPts val="0"/>
+              </a:spcBef>
+              <a:spcAft>
+                <a:spcPts val="0"/>
+              </a:spcAft>
+              <a:buClr>
+                <a:schemeClr val="accent4"/>
+              </a:buClr>
+              <a:buSzPts val="1800"/>
+              <a:buFont typeface="Arial"/>
+              <a:buNone/>
+              <a:defRPr sz="2400" b="0" i="0" u="none" strike="noStrike" cap="none">
+                <a:solidFill>
+                  <a:schemeClr val="accent4"/>
+                </a:solidFill>
+                <a:latin typeface="Poppins" panose="00000500000000000000" pitchFamily="2" charset="0"/>
+                <a:ea typeface="Poppins" panose="00000500000000000000" pitchFamily="2" charset="0"/>
+                <a:cs typeface="Poppins" panose="00000500000000000000" pitchFamily="2" charset="0"/>
+                <a:sym typeface="Arial"/>
+              </a:defRPr>
+            </a:lvl1pPr>
+            <a:lvl2pPr marR="0" lvl="1" algn="l" rtl="0" eaLnBrk="1" hangingPunct="1">
+              <a:lnSpc>
+                <a:spcPct val="100000"/>
+              </a:lnSpc>
+              <a:spcBef>
+                <a:spcPts val="0"/>
+              </a:spcBef>
+              <a:spcAft>
+                <a:spcPts val="0"/>
+              </a:spcAft>
+              <a:buClr>
+                <a:schemeClr val="accent4"/>
+              </a:buClr>
+              <a:buSzPts val="1800"/>
+              <a:buFont typeface="Arial"/>
+              <a:buNone/>
+              <a:defRPr sz="2400" b="0" i="0" u="none" strike="noStrike" cap="none">
+                <a:solidFill>
+                  <a:schemeClr val="accent4"/>
+                </a:solidFill>
+                <a:latin typeface="Arial"/>
+                <a:ea typeface="Arial"/>
+                <a:cs typeface="Arial"/>
+                <a:sym typeface="Arial"/>
+              </a:defRPr>
+            </a:lvl2pPr>
+            <a:lvl3pPr marR="0" lvl="2" algn="l" rtl="0" eaLnBrk="1" hangingPunct="1">
+              <a:lnSpc>
+                <a:spcPct val="100000"/>
+              </a:lnSpc>
+              <a:spcBef>
+                <a:spcPts val="0"/>
+              </a:spcBef>
+              <a:spcAft>
+                <a:spcPts val="0"/>
+              </a:spcAft>
+              <a:buClr>
+                <a:schemeClr val="accent4"/>
+              </a:buClr>
+              <a:buSzPts val="1800"/>
+              <a:buFont typeface="Arial"/>
+              <a:buNone/>
+              <a:defRPr sz="2400" b="0" i="0" u="none" strike="noStrike" cap="none">
+                <a:solidFill>
+                  <a:schemeClr val="accent4"/>
+                </a:solidFill>
+                <a:latin typeface="Arial"/>
+                <a:ea typeface="Arial"/>
+                <a:cs typeface="Arial"/>
+                <a:sym typeface="Arial"/>
+              </a:defRPr>
+            </a:lvl3pPr>
+            <a:lvl4pPr marR="0" lvl="3" algn="l" rtl="0" eaLnBrk="1" hangingPunct="1">
+              <a:lnSpc>
+                <a:spcPct val="100000"/>
+              </a:lnSpc>
+              <a:spcBef>
+                <a:spcPts val="0"/>
+              </a:spcBef>
+              <a:spcAft>
+                <a:spcPts val="0"/>
+              </a:spcAft>
+              <a:buClr>
+                <a:schemeClr val="accent4"/>
+              </a:buClr>
+              <a:buSzPts val="1800"/>
+              <a:buFont typeface="Arial"/>
+              <a:buNone/>
+              <a:defRPr sz="2400" b="0" i="0" u="none" strike="noStrike" cap="none">
+                <a:solidFill>
+                  <a:schemeClr val="accent4"/>
+                </a:solidFill>
+                <a:latin typeface="Arial"/>
+                <a:ea typeface="Arial"/>
+                <a:cs typeface="Arial"/>
+                <a:sym typeface="Arial"/>
+              </a:defRPr>
+            </a:lvl4pPr>
+            <a:lvl5pPr marR="0" lvl="4" algn="l" rtl="0" eaLnBrk="1" hangingPunct="1">
+              <a:lnSpc>
+                <a:spcPct val="100000"/>
+              </a:lnSpc>
+              <a:spcBef>
+                <a:spcPts val="0"/>
+              </a:spcBef>
+              <a:spcAft>
+                <a:spcPts val="0"/>
+              </a:spcAft>
+              <a:buClr>
+                <a:schemeClr val="accent4"/>
+              </a:buClr>
+              <a:buSzPts val="1800"/>
+              <a:buFont typeface="Arial"/>
+              <a:buNone/>
+              <a:defRPr sz="2400" b="0" i="0" u="none" strike="noStrike" cap="none">
+                <a:solidFill>
+                  <a:schemeClr val="accent4"/>
+                </a:solidFill>
+                <a:latin typeface="Arial"/>
+                <a:ea typeface="Arial"/>
+                <a:cs typeface="Arial"/>
+                <a:sym typeface="Arial"/>
+              </a:defRPr>
+            </a:lvl5pPr>
+            <a:lvl6pPr marR="0" lvl="5" algn="l" rtl="0" eaLnBrk="1" hangingPunct="1">
+              <a:lnSpc>
+                <a:spcPct val="100000"/>
+              </a:lnSpc>
+              <a:spcBef>
+                <a:spcPts val="0"/>
+              </a:spcBef>
+              <a:spcAft>
+                <a:spcPts val="0"/>
+              </a:spcAft>
+              <a:buClr>
+                <a:schemeClr val="accent4"/>
+              </a:buClr>
+              <a:buSzPts val="1800"/>
+              <a:buFont typeface="Arial"/>
+              <a:buNone/>
+              <a:defRPr sz="2400" b="0" i="0" u="none" strike="noStrike" cap="none">
+                <a:solidFill>
+                  <a:schemeClr val="accent4"/>
+                </a:solidFill>
+                <a:latin typeface="Arial"/>
+                <a:ea typeface="Arial"/>
+                <a:cs typeface="Arial"/>
+                <a:sym typeface="Arial"/>
+              </a:defRPr>
+            </a:lvl6pPr>
+            <a:lvl7pPr marR="0" lvl="6" algn="l" rtl="0" eaLnBrk="1" hangingPunct="1">
+              <a:lnSpc>
+                <a:spcPct val="100000"/>
+              </a:lnSpc>
+              <a:spcBef>
+                <a:spcPts val="0"/>
+              </a:spcBef>
+              <a:spcAft>
+                <a:spcPts val="0"/>
+              </a:spcAft>
+              <a:buClr>
+                <a:schemeClr val="accent4"/>
+              </a:buClr>
+              <a:buSzPts val="1800"/>
+              <a:buFont typeface="Arial"/>
+              <a:buNone/>
+              <a:defRPr sz="2400" b="0" i="0" u="none" strike="noStrike" cap="none">
+                <a:solidFill>
+                  <a:schemeClr val="accent4"/>
+                </a:solidFill>
+                <a:latin typeface="Arial"/>
+                <a:ea typeface="Arial"/>
+                <a:cs typeface="Arial"/>
+                <a:sym typeface="Arial"/>
+              </a:defRPr>
+            </a:lvl7pPr>
+            <a:lvl8pPr marR="0" lvl="7" algn="l" rtl="0" eaLnBrk="1" hangingPunct="1">
+              <a:lnSpc>
+                <a:spcPct val="100000"/>
+              </a:lnSpc>
+              <a:spcBef>
+                <a:spcPts val="0"/>
+              </a:spcBef>
+              <a:spcAft>
+                <a:spcPts val="0"/>
+              </a:spcAft>
+              <a:buClr>
+                <a:schemeClr val="accent4"/>
+              </a:buClr>
+              <a:buSzPts val="1800"/>
+              <a:buFont typeface="Arial"/>
+              <a:buNone/>
+              <a:defRPr sz="2400" b="0" i="0" u="none" strike="noStrike" cap="none">
+                <a:solidFill>
+                  <a:schemeClr val="accent4"/>
+                </a:solidFill>
+                <a:latin typeface="Arial"/>
+                <a:ea typeface="Arial"/>
+                <a:cs typeface="Arial"/>
+                <a:sym typeface="Arial"/>
+              </a:defRPr>
+            </a:lvl8pPr>
+            <a:lvl9pPr marR="0" lvl="8" algn="l" rtl="0" eaLnBrk="1" hangingPunct="1">
+              <a:lnSpc>
+                <a:spcPct val="100000"/>
+              </a:lnSpc>
+              <a:spcBef>
+                <a:spcPts val="0"/>
+              </a:spcBef>
+              <a:spcAft>
+                <a:spcPts val="0"/>
+              </a:spcAft>
+              <a:buClr>
+                <a:schemeClr val="accent4"/>
+              </a:buClr>
+              <a:buSzPts val="1800"/>
+              <a:buFont typeface="Arial"/>
+              <a:buNone/>
+              <a:defRPr sz="2400" b="0" i="0" u="none" strike="noStrike" cap="none">
+                <a:solidFill>
+                  <a:schemeClr val="accent4"/>
+                </a:solidFill>
+                <a:latin typeface="Arial"/>
+                <a:ea typeface="Arial"/>
+                <a:cs typeface="Arial"/>
+                <a:sym typeface="Arial"/>
+              </a:defRPr>
+            </a:lvl9pPr>
+          </a:lstStyle>
+          <a:p>
+            <a:r>
+              <a:rPr lang="fr-FR" b="0" dirty="0">
+                <a:solidFill>
+                  <a:schemeClr val="bg1"/>
+                </a:solidFill>
+                <a:latin typeface="Poppins" panose="00000500000000000000" pitchFamily="2" charset="0"/>
+                <a:cs typeface="Poppins" panose="00000500000000000000" pitchFamily="2" charset="0"/>
+              </a:rPr>
+              <a:t>Modifiez le style des sous-titres du masque</a:t>
+            </a:r>
+          </a:p>
+        </p:txBody>
+      </p:sp>
+      <p:sp>
+        <p:nvSpPr>
+          <p:cNvPr id="10" name="Google Shape;15;p3">
+            <a:extLst>
+              <a:ext uri="{FF2B5EF4-FFF2-40B4-BE49-F238E27FC236}">
+                <a16:creationId xmlns:a16="http://schemas.microsoft.com/office/drawing/2014/main" id="{A4DB1EC6-4059-4CE5-9A1A-24F2F6D61C43}"/>
+              </a:ext>
+            </a:extLst>
+          </p:cNvPr>
+          <p:cNvSpPr txBox="1">
+            <a:spLocks/>
+          </p:cNvSpPr>
+          <p:nvPr userDrawn="1"/>
+        </p:nvSpPr>
+        <p:spPr>
+          <a:xfrm>
+            <a:off x="774066" y="468923"/>
+            <a:ext cx="6875241" cy="726831"/>
+          </a:xfrm>
+          <a:prstGeom prst="rect">
+            <a:avLst/>
+          </a:prstGeom>
+        </p:spPr>
+        <p:txBody>
+          <a:bodyPr spcFirstLastPara="1" wrap="square" lIns="0" tIns="0" rIns="0" bIns="0" anchor="t" anchorCtr="0">
+            <a:noAutofit/>
+          </a:bodyPr>
+          <a:lstStyle>
+            <a:defPPr marR="0" lvl="0" algn="l" rtl="0">
+              <a:lnSpc>
+                <a:spcPct val="100000"/>
+              </a:lnSpc>
+              <a:spcBef>
+                <a:spcPts val="0"/>
+              </a:spcBef>
+              <a:spcAft>
+                <a:spcPts val="0"/>
+              </a:spcAft>
+            </a:defPPr>
+            <a:lvl1pPr marR="0" lvl="0" algn="l" rtl="0" eaLnBrk="1" hangingPunct="1">
+              <a:lnSpc>
+                <a:spcPct val="100000"/>
+              </a:lnSpc>
+              <a:spcBef>
+                <a:spcPts val="0"/>
+              </a:spcBef>
+              <a:spcAft>
+                <a:spcPts val="0"/>
+              </a:spcAft>
+              <a:buClr>
+                <a:schemeClr val="accent4"/>
+              </a:buClr>
+              <a:buSzPts val="1800"/>
+              <a:buFont typeface="Arial"/>
+              <a:buNone/>
+              <a:defRPr sz="2400" b="0" i="0" u="none" strike="noStrike" cap="none">
+                <a:solidFill>
+                  <a:schemeClr val="accent4"/>
+                </a:solidFill>
+                <a:latin typeface="Poppins" panose="00000500000000000000" pitchFamily="2" charset="0"/>
+                <a:ea typeface="Poppins" panose="00000500000000000000" pitchFamily="2" charset="0"/>
+                <a:cs typeface="Poppins" panose="00000500000000000000" pitchFamily="2" charset="0"/>
+                <a:sym typeface="Arial"/>
+              </a:defRPr>
+            </a:lvl1pPr>
+            <a:lvl2pPr marR="0" lvl="1" algn="l" rtl="0" eaLnBrk="1" hangingPunct="1">
+              <a:lnSpc>
+                <a:spcPct val="100000"/>
+              </a:lnSpc>
+              <a:spcBef>
+                <a:spcPts val="0"/>
+              </a:spcBef>
+              <a:spcAft>
+                <a:spcPts val="0"/>
+              </a:spcAft>
+              <a:buClr>
+                <a:schemeClr val="accent4"/>
+              </a:buClr>
+              <a:buSzPts val="1800"/>
+              <a:buFont typeface="Arial"/>
+              <a:buNone/>
+              <a:defRPr sz="2400" b="0" i="0" u="none" strike="noStrike" cap="none">
+                <a:solidFill>
+                  <a:schemeClr val="accent4"/>
+                </a:solidFill>
+                <a:latin typeface="Arial"/>
+                <a:ea typeface="Arial"/>
+                <a:cs typeface="Arial"/>
+                <a:sym typeface="Arial"/>
+              </a:defRPr>
+            </a:lvl2pPr>
+            <a:lvl3pPr marR="0" lvl="2" algn="l" rtl="0" eaLnBrk="1" hangingPunct="1">
+              <a:lnSpc>
+                <a:spcPct val="100000"/>
+              </a:lnSpc>
+              <a:spcBef>
+                <a:spcPts val="0"/>
+              </a:spcBef>
+              <a:spcAft>
+                <a:spcPts val="0"/>
+              </a:spcAft>
+              <a:buClr>
+                <a:schemeClr val="accent4"/>
+              </a:buClr>
+              <a:buSzPts val="1800"/>
+              <a:buFont typeface="Arial"/>
+              <a:buNone/>
+              <a:defRPr sz="2400" b="0" i="0" u="none" strike="noStrike" cap="none">
+                <a:solidFill>
+                  <a:schemeClr val="accent4"/>
+                </a:solidFill>
+                <a:latin typeface="Arial"/>
+                <a:ea typeface="Arial"/>
+                <a:cs typeface="Arial"/>
+                <a:sym typeface="Arial"/>
+              </a:defRPr>
+            </a:lvl3pPr>
+            <a:lvl4pPr marR="0" lvl="3" algn="l" rtl="0" eaLnBrk="1" hangingPunct="1">
+              <a:lnSpc>
+                <a:spcPct val="100000"/>
+              </a:lnSpc>
+              <a:spcBef>
+                <a:spcPts val="0"/>
+              </a:spcBef>
+              <a:spcAft>
+                <a:spcPts val="0"/>
+              </a:spcAft>
+              <a:buClr>
+                <a:schemeClr val="accent4"/>
+              </a:buClr>
+              <a:buSzPts val="1800"/>
+              <a:buFont typeface="Arial"/>
+              <a:buNone/>
+              <a:defRPr sz="2400" b="0" i="0" u="none" strike="noStrike" cap="none">
+                <a:solidFill>
+                  <a:schemeClr val="accent4"/>
+                </a:solidFill>
+                <a:latin typeface="Arial"/>
+                <a:ea typeface="Arial"/>
+                <a:cs typeface="Arial"/>
+                <a:sym typeface="Arial"/>
+              </a:defRPr>
+            </a:lvl4pPr>
+            <a:lvl5pPr marR="0" lvl="4" algn="l" rtl="0" eaLnBrk="1" hangingPunct="1">
+              <a:lnSpc>
+                <a:spcPct val="100000"/>
+              </a:lnSpc>
+              <a:spcBef>
+                <a:spcPts val="0"/>
+              </a:spcBef>
+              <a:spcAft>
+                <a:spcPts val="0"/>
+              </a:spcAft>
+              <a:buClr>
+                <a:schemeClr val="accent4"/>
+              </a:buClr>
+              <a:buSzPts val="1800"/>
+              <a:buFont typeface="Arial"/>
+              <a:buNone/>
+              <a:defRPr sz="2400" b="0" i="0" u="none" strike="noStrike" cap="none">
+                <a:solidFill>
+                  <a:schemeClr val="accent4"/>
+                </a:solidFill>
+                <a:latin typeface="Arial"/>
+                <a:ea typeface="Arial"/>
+                <a:cs typeface="Arial"/>
+                <a:sym typeface="Arial"/>
+              </a:defRPr>
+            </a:lvl5pPr>
+            <a:lvl6pPr marR="0" lvl="5" algn="l" rtl="0" eaLnBrk="1" hangingPunct="1">
+              <a:lnSpc>
+                <a:spcPct val="100000"/>
+              </a:lnSpc>
+              <a:spcBef>
+                <a:spcPts val="0"/>
+              </a:spcBef>
+              <a:spcAft>
+                <a:spcPts val="0"/>
+              </a:spcAft>
+              <a:buClr>
+                <a:schemeClr val="accent4"/>
+              </a:buClr>
+              <a:buSzPts val="1800"/>
+              <a:buFont typeface="Arial"/>
+              <a:buNone/>
+              <a:defRPr sz="2400" b="0" i="0" u="none" strike="noStrike" cap="none">
+                <a:solidFill>
+                  <a:schemeClr val="accent4"/>
+                </a:solidFill>
+                <a:latin typeface="Arial"/>
+                <a:ea typeface="Arial"/>
+                <a:cs typeface="Arial"/>
+                <a:sym typeface="Arial"/>
+              </a:defRPr>
+            </a:lvl6pPr>
+            <a:lvl7pPr marR="0" lvl="6" algn="l" rtl="0" eaLnBrk="1" hangingPunct="1">
+              <a:lnSpc>
+                <a:spcPct val="100000"/>
+              </a:lnSpc>
+              <a:spcBef>
+                <a:spcPts val="0"/>
+              </a:spcBef>
+              <a:spcAft>
+                <a:spcPts val="0"/>
+              </a:spcAft>
+              <a:buClr>
+                <a:schemeClr val="accent4"/>
+              </a:buClr>
+              <a:buSzPts val="1800"/>
+              <a:buFont typeface="Arial"/>
+              <a:buNone/>
+              <a:defRPr sz="2400" b="0" i="0" u="none" strike="noStrike" cap="none">
+                <a:solidFill>
+                  <a:schemeClr val="accent4"/>
+                </a:solidFill>
+                <a:latin typeface="Arial"/>
+                <a:ea typeface="Arial"/>
+                <a:cs typeface="Arial"/>
+                <a:sym typeface="Arial"/>
+              </a:defRPr>
+            </a:lvl7pPr>
+            <a:lvl8pPr marR="0" lvl="7" algn="l" rtl="0" eaLnBrk="1" hangingPunct="1">
+              <a:lnSpc>
+                <a:spcPct val="100000"/>
+              </a:lnSpc>
+              <a:spcBef>
+                <a:spcPts val="0"/>
+              </a:spcBef>
+              <a:spcAft>
+                <a:spcPts val="0"/>
+              </a:spcAft>
+              <a:buClr>
+                <a:schemeClr val="accent4"/>
+              </a:buClr>
+              <a:buSzPts val="1800"/>
+              <a:buFont typeface="Arial"/>
+              <a:buNone/>
+              <a:defRPr sz="2400" b="0" i="0" u="none" strike="noStrike" cap="none">
+                <a:solidFill>
+                  <a:schemeClr val="accent4"/>
+                </a:solidFill>
+                <a:latin typeface="Arial"/>
+                <a:ea typeface="Arial"/>
+                <a:cs typeface="Arial"/>
+                <a:sym typeface="Arial"/>
+              </a:defRPr>
+            </a:lvl8pPr>
+            <a:lvl9pPr marR="0" lvl="8" algn="l" rtl="0" eaLnBrk="1" hangingPunct="1">
+              <a:lnSpc>
+                <a:spcPct val="100000"/>
+              </a:lnSpc>
+              <a:spcBef>
+                <a:spcPts val="0"/>
+              </a:spcBef>
+              <a:spcAft>
+                <a:spcPts val="0"/>
+              </a:spcAft>
+              <a:buClr>
+                <a:schemeClr val="accent4"/>
+              </a:buClr>
+              <a:buSzPts val="1800"/>
+              <a:buFont typeface="Arial"/>
+              <a:buNone/>
+              <a:defRPr sz="2400" b="0" i="0" u="none" strike="noStrike" cap="none">
+                <a:solidFill>
+                  <a:schemeClr val="accent4"/>
+                </a:solidFill>
+                <a:latin typeface="Arial"/>
+                <a:ea typeface="Arial"/>
+                <a:cs typeface="Arial"/>
+                <a:sym typeface="Arial"/>
+              </a:defRPr>
+            </a:lvl9pPr>
+          </a:lstStyle>
+          <a:p>
+            <a:r>
+              <a:rPr lang="fr-FR" sz="4400" b="1" dirty="0">
+                <a:solidFill>
+                  <a:schemeClr val="bg1"/>
+                </a:solidFill>
+                <a:latin typeface="Poppins" panose="00000500000000000000" pitchFamily="2" charset="0"/>
+                <a:cs typeface="Poppins" panose="00000500000000000000" pitchFamily="2" charset="0"/>
+              </a:rPr>
+              <a:t>Modifiez le style des sous-titres du masque</a:t>
+            </a:r>
           </a:p>
         </p:txBody>
       </p:sp>
